--- a/trunk/Documentation/NoteShare System Architecture.pptx
+++ b/trunk/Documentation/NoteShare System Architecture.pptx
@@ -5,7 +5,7 @@
     <p:sldMasterId id="2147483660" r:id="rId1"/>
   </p:sldMasterIdLst>
   <p:notesMasterIdLst>
-    <p:notesMasterId r:id="rId11"/>
+    <p:notesMasterId r:id="rId12"/>
   </p:notesMasterIdLst>
   <p:sldIdLst>
     <p:sldId id="256" r:id="rId2"/>
@@ -13,10 +13,11 @@
     <p:sldId id="258" r:id="rId4"/>
     <p:sldId id="262" r:id="rId5"/>
     <p:sldId id="259" r:id="rId6"/>
-    <p:sldId id="260" r:id="rId7"/>
-    <p:sldId id="263" r:id="rId8"/>
-    <p:sldId id="261" r:id="rId9"/>
-    <p:sldId id="264" r:id="rId10"/>
+    <p:sldId id="261" r:id="rId7"/>
+    <p:sldId id="260" r:id="rId8"/>
+    <p:sldId id="263" r:id="rId9"/>
+    <p:sldId id="265" r:id="rId10"/>
+    <p:sldId id="264" r:id="rId11"/>
   </p:sldIdLst>
   <p:sldSz cx="9144000" cy="6858000" type="screen4x3"/>
   <p:notesSz cx="6858000" cy="9144000"/>
@@ -536,6 +537,88 @@
               <a:rPr lang="en-US" smtClean="0"/>
               <a:pPr/>
               <a:t>1</a:t>
+            </a:fld>
+            <a:endParaRPr lang="en-US"/>
+          </a:p>
+        </p:txBody>
+      </p:sp>
+    </p:spTree>
+  </p:cSld>
+  <p:clrMapOvr>
+    <a:masterClrMapping/>
+  </p:clrMapOvr>
+</p:notes>
+</file>
+
+<file path=ppt/notesSlides/notesSlide10.xml><?xml version="1.0" encoding="utf-8"?>
+<p:notes xmlns:a="http://schemas.openxmlformats.org/drawingml/2006/main" xmlns:r="http://schemas.openxmlformats.org/officeDocument/2006/relationships" xmlns:p="http://schemas.openxmlformats.org/presentationml/2006/main">
+  <p:cSld>
+    <p:spTree>
+      <p:nvGrpSpPr>
+        <p:cNvPr id="1" name=""/>
+        <p:cNvGrpSpPr/>
+        <p:nvPr/>
+      </p:nvGrpSpPr>
+      <p:grpSpPr>
+        <a:xfrm>
+          <a:off x="0" y="0"/>
+          <a:ext cx="0" cy="0"/>
+          <a:chOff x="0" y="0"/>
+          <a:chExt cx="0" cy="0"/>
+        </a:xfrm>
+      </p:grpSpPr>
+      <p:sp>
+        <p:nvSpPr>
+          <p:cNvPr id="2" name="Slide Image Placeholder 1"/>
+          <p:cNvSpPr>
+            <a:spLocks noGrp="1" noRot="1" noChangeAspect="1"/>
+          </p:cNvSpPr>
+          <p:nvPr>
+            <p:ph type="sldImg"/>
+          </p:nvPr>
+        </p:nvSpPr>
+        <p:spPr/>
+      </p:sp>
+      <p:sp>
+        <p:nvSpPr>
+          <p:cNvPr id="3" name="Notes Placeholder 2"/>
+          <p:cNvSpPr>
+            <a:spLocks noGrp="1"/>
+          </p:cNvSpPr>
+          <p:nvPr>
+            <p:ph type="body" idx="1"/>
+          </p:nvPr>
+        </p:nvSpPr>
+        <p:spPr/>
+        <p:txBody>
+          <a:bodyPr>
+            <a:normAutofit/>
+          </a:bodyPr>
+          <a:lstStyle/>
+          <a:p>
+            <a:endParaRPr lang="en-US"/>
+          </a:p>
+        </p:txBody>
+      </p:sp>
+      <p:sp>
+        <p:nvSpPr>
+          <p:cNvPr id="4" name="Slide Number Placeholder 3"/>
+          <p:cNvSpPr>
+            <a:spLocks noGrp="1"/>
+          </p:cNvSpPr>
+          <p:nvPr>
+            <p:ph type="sldNum" sz="quarter" idx="10"/>
+          </p:nvPr>
+        </p:nvSpPr>
+        <p:spPr/>
+        <p:txBody>
+          <a:bodyPr/>
+          <a:lstStyle/>
+          <a:p>
+            <a:fld id="{0FDCCBAA-96C4-4B98-AC5E-B795FCF6C43C}" type="slidenum">
+              <a:rPr lang="en-US" smtClean="0"/>
+              <a:pPr/>
+              <a:t>10</a:t>
             </a:fld>
             <a:endParaRPr lang="en-US"/>
           </a:p>
@@ -5804,6 +5887,59 @@
 </p:sld>
 </file>
 
+<file path=ppt/slides/slide10.xml><?xml version="1.0" encoding="utf-8"?>
+<p:sld xmlns:a="http://schemas.openxmlformats.org/drawingml/2006/main" xmlns:r="http://schemas.openxmlformats.org/officeDocument/2006/relationships" xmlns:p="http://schemas.openxmlformats.org/presentationml/2006/main">
+  <p:cSld>
+    <p:spTree>
+      <p:nvGrpSpPr>
+        <p:cNvPr id="1" name=""/>
+        <p:cNvGrpSpPr/>
+        <p:nvPr/>
+      </p:nvGrpSpPr>
+      <p:grpSpPr>
+        <a:xfrm>
+          <a:off x="0" y="0"/>
+          <a:ext cx="0" cy="0"/>
+          <a:chOff x="0" y="0"/>
+          <a:chExt cx="0" cy="0"/>
+        </a:xfrm>
+      </p:grpSpPr>
+      <p:sp>
+        <p:nvSpPr>
+          <p:cNvPr id="3" name="Title 2"/>
+          <p:cNvSpPr>
+            <a:spLocks noGrp="1"/>
+          </p:cNvSpPr>
+          <p:nvPr>
+            <p:ph type="title"/>
+          </p:nvPr>
+        </p:nvSpPr>
+        <p:spPr>
+          <a:xfrm>
+            <a:off x="2590800" y="2438400"/>
+            <a:ext cx="8229600" cy="1143000"/>
+          </a:xfrm>
+        </p:spPr>
+        <p:txBody>
+          <a:bodyPr/>
+          <a:lstStyle/>
+          <a:p>
+            <a:r>
+              <a:rPr lang="en-US" dirty="0" smtClean="0"/>
+              <a:t>Questions?</a:t>
+            </a:r>
+            <a:endParaRPr lang="en-US" dirty="0"/>
+          </a:p>
+        </p:txBody>
+      </p:sp>
+    </p:spTree>
+  </p:cSld>
+  <p:clrMapOvr>
+    <a:masterClrMapping/>
+  </p:clrMapOvr>
+</p:sld>
+</file>
+
 <file path=ppt/slides/slide2.xml><?xml version="1.0" encoding="utf-8"?>
 <p:sld xmlns:a="http://schemas.openxmlformats.org/drawingml/2006/main" xmlns:r="http://schemas.openxmlformats.org/officeDocument/2006/relationships" xmlns:p="http://schemas.openxmlformats.org/presentationml/2006/main">
   <p:cSld>
@@ -6078,8 +6214,8 @@
         </p:blipFill>
         <p:spPr>
           <a:xfrm>
-            <a:off x="1981200" y="1143000"/>
-            <a:ext cx="4572000" cy="3429000"/>
+            <a:off x="1143000" y="1143000"/>
+            <a:ext cx="6400800" cy="4800600"/>
           </a:xfrm>
         </p:spPr>
       </p:pic>
@@ -6100,37 +6236,11 @@
           <a:p>
             <a:r>
               <a:rPr lang="en-US" dirty="0" smtClean="0"/>
-              <a:t>Component View/Interfaces</a:t>
-            </a:r>
-            <a:endParaRPr lang="en-US" dirty="0"/>
-          </a:p>
-        </p:txBody>
-      </p:sp>
-      <p:sp>
-        <p:nvSpPr>
-          <p:cNvPr id="5" name="TextBox 4"/>
-          <p:cNvSpPr txBox="1"/>
-          <p:nvPr/>
-        </p:nvSpPr>
-        <p:spPr>
-          <a:xfrm>
-            <a:off x="990600" y="4648200"/>
-            <a:ext cx="7467600" cy="369332"/>
-          </a:xfrm>
-          <a:prstGeom prst="rect">
-            <a:avLst/>
-          </a:prstGeom>
-          <a:noFill/>
-        </p:spPr>
-        <p:txBody>
-          <a:bodyPr wrap="square" rtlCol="0">
-            <a:spAutoFit/>
-          </a:bodyPr>
-          <a:lstStyle/>
-          <a:p>
+              <a:t>Component </a:t>
+            </a:r>
             <a:r>
               <a:rPr lang="en-US" dirty="0" smtClean="0"/>
-              <a:t>Some sort of note on Interfaces needs to go here!!!!</a:t>
+              <a:t>View</a:t>
             </a:r>
             <a:endParaRPr lang="en-US" dirty="0"/>
           </a:p>
@@ -6145,148 +6255,6 @@
 </file>
 
 <file path=ppt/slides/slide6.xml><?xml version="1.0" encoding="utf-8"?>
-<p:sld xmlns:a="http://schemas.openxmlformats.org/drawingml/2006/main" xmlns:r="http://schemas.openxmlformats.org/officeDocument/2006/relationships" xmlns:p="http://schemas.openxmlformats.org/presentationml/2006/main">
-  <p:cSld>
-    <p:spTree>
-      <p:nvGrpSpPr>
-        <p:cNvPr id="1" name=""/>
-        <p:cNvGrpSpPr/>
-        <p:nvPr/>
-      </p:nvGrpSpPr>
-      <p:grpSpPr>
-        <a:xfrm>
-          <a:off x="0" y="0"/>
-          <a:ext cx="0" cy="0"/>
-          <a:chOff x="0" y="0"/>
-          <a:chExt cx="0" cy="0"/>
-        </a:xfrm>
-      </p:grpSpPr>
-      <p:sp>
-        <p:nvSpPr>
-          <p:cNvPr id="2" name="Content Placeholder 1"/>
-          <p:cNvSpPr>
-            <a:spLocks noGrp="1"/>
-          </p:cNvSpPr>
-          <p:nvPr>
-            <p:ph idx="1"/>
-          </p:nvPr>
-        </p:nvSpPr>
-        <p:spPr/>
-        <p:txBody>
-          <a:bodyPr/>
-          <a:lstStyle/>
-          <a:p>
-            <a:r>
-              <a:rPr lang="en-US" dirty="0" smtClean="0"/>
-              <a:t>There will be more than one…add more slides</a:t>
-            </a:r>
-            <a:endParaRPr lang="en-US" dirty="0"/>
-          </a:p>
-        </p:txBody>
-      </p:sp>
-      <p:sp>
-        <p:nvSpPr>
-          <p:cNvPr id="3" name="Title 2"/>
-          <p:cNvSpPr>
-            <a:spLocks noGrp="1"/>
-          </p:cNvSpPr>
-          <p:nvPr>
-            <p:ph type="title"/>
-          </p:nvPr>
-        </p:nvSpPr>
-        <p:spPr/>
-        <p:txBody>
-          <a:bodyPr/>
-          <a:lstStyle/>
-          <a:p>
-            <a:r>
-              <a:rPr lang="en-US" dirty="0" smtClean="0"/>
-              <a:t>Sequence Diagram</a:t>
-            </a:r>
-            <a:endParaRPr lang="en-US" dirty="0"/>
-          </a:p>
-        </p:txBody>
-      </p:sp>
-    </p:spTree>
-  </p:cSld>
-  <p:clrMapOvr>
-    <a:masterClrMapping/>
-  </p:clrMapOvr>
-</p:sld>
-</file>
-
-<file path=ppt/slides/slide7.xml><?xml version="1.0" encoding="utf-8"?>
-<p:sld xmlns:a="http://schemas.openxmlformats.org/drawingml/2006/main" xmlns:r="http://schemas.openxmlformats.org/officeDocument/2006/relationships" xmlns:p="http://schemas.openxmlformats.org/presentationml/2006/main">
-  <p:cSld>
-    <p:spTree>
-      <p:nvGrpSpPr>
-        <p:cNvPr id="1" name=""/>
-        <p:cNvGrpSpPr/>
-        <p:nvPr/>
-      </p:nvGrpSpPr>
-      <p:grpSpPr>
-        <a:xfrm>
-          <a:off x="0" y="0"/>
-          <a:ext cx="0" cy="0"/>
-          <a:chOff x="0" y="0"/>
-          <a:chExt cx="0" cy="0"/>
-        </a:xfrm>
-      </p:grpSpPr>
-      <p:pic>
-        <p:nvPicPr>
-          <p:cNvPr id="4" name="Content Placeholder 3" descr="ERdia.jpg"/>
-          <p:cNvPicPr>
-            <a:picLocks noGrp="1" noChangeAspect="1"/>
-          </p:cNvPicPr>
-          <p:nvPr>
-            <p:ph idx="1"/>
-          </p:nvPr>
-        </p:nvPicPr>
-        <p:blipFill>
-          <a:blip r:embed="rId3" cstate="print"/>
-          <a:stretch>
-            <a:fillRect/>
-          </a:stretch>
-        </p:blipFill>
-        <p:spPr>
-          <a:xfrm>
-            <a:off x="4200049" y="152400"/>
-            <a:ext cx="4562951" cy="6476048"/>
-          </a:xfrm>
-        </p:spPr>
-      </p:pic>
-      <p:sp>
-        <p:nvSpPr>
-          <p:cNvPr id="3" name="Title 2"/>
-          <p:cNvSpPr>
-            <a:spLocks noGrp="1"/>
-          </p:cNvSpPr>
-          <p:nvPr>
-            <p:ph type="title"/>
-          </p:nvPr>
-        </p:nvSpPr>
-        <p:spPr/>
-        <p:txBody>
-          <a:bodyPr/>
-          <a:lstStyle/>
-          <a:p>
-            <a:r>
-              <a:rPr lang="en-US" dirty="0" smtClean="0"/>
-              <a:t>ER Diagram</a:t>
-            </a:r>
-            <a:endParaRPr lang="en-US" dirty="0"/>
-          </a:p>
-        </p:txBody>
-      </p:sp>
-    </p:spTree>
-  </p:cSld>
-  <p:clrMapOvr>
-    <a:masterClrMapping/>
-  </p:clrMapOvr>
-</p:sld>
-</file>
-
-<file path=ppt/slides/slide8.xml><?xml version="1.0" encoding="utf-8"?>
 <p:sld xmlns:a="http://schemas.openxmlformats.org/drawingml/2006/main" xmlns:r="http://schemas.openxmlformats.org/officeDocument/2006/relationships" xmlns:p="http://schemas.openxmlformats.org/presentationml/2006/main">
   <p:cSld>
     <p:spTree>
@@ -6381,6 +6349,148 @@
 </p:sld>
 </file>
 
+<file path=ppt/slides/slide7.xml><?xml version="1.0" encoding="utf-8"?>
+<p:sld xmlns:a="http://schemas.openxmlformats.org/drawingml/2006/main" xmlns:r="http://schemas.openxmlformats.org/officeDocument/2006/relationships" xmlns:p="http://schemas.openxmlformats.org/presentationml/2006/main">
+  <p:cSld>
+    <p:spTree>
+      <p:nvGrpSpPr>
+        <p:cNvPr id="1" name=""/>
+        <p:cNvGrpSpPr/>
+        <p:nvPr/>
+      </p:nvGrpSpPr>
+      <p:grpSpPr>
+        <a:xfrm>
+          <a:off x="0" y="0"/>
+          <a:ext cx="0" cy="0"/>
+          <a:chOff x="0" y="0"/>
+          <a:chExt cx="0" cy="0"/>
+        </a:xfrm>
+      </p:grpSpPr>
+      <p:sp>
+        <p:nvSpPr>
+          <p:cNvPr id="2" name="Content Placeholder 1"/>
+          <p:cNvSpPr>
+            <a:spLocks noGrp="1"/>
+          </p:cNvSpPr>
+          <p:nvPr>
+            <p:ph idx="1"/>
+          </p:nvPr>
+        </p:nvSpPr>
+        <p:spPr/>
+        <p:txBody>
+          <a:bodyPr/>
+          <a:lstStyle/>
+          <a:p>
+            <a:r>
+              <a:rPr lang="en-US" dirty="0" smtClean="0"/>
+              <a:t>There will be more than one…add more slides</a:t>
+            </a:r>
+            <a:endParaRPr lang="en-US" dirty="0"/>
+          </a:p>
+        </p:txBody>
+      </p:sp>
+      <p:sp>
+        <p:nvSpPr>
+          <p:cNvPr id="3" name="Title 2"/>
+          <p:cNvSpPr>
+            <a:spLocks noGrp="1"/>
+          </p:cNvSpPr>
+          <p:nvPr>
+            <p:ph type="title"/>
+          </p:nvPr>
+        </p:nvSpPr>
+        <p:spPr/>
+        <p:txBody>
+          <a:bodyPr/>
+          <a:lstStyle/>
+          <a:p>
+            <a:r>
+              <a:rPr lang="en-US" dirty="0" smtClean="0"/>
+              <a:t>Sequence Diagram</a:t>
+            </a:r>
+            <a:endParaRPr lang="en-US" dirty="0"/>
+          </a:p>
+        </p:txBody>
+      </p:sp>
+    </p:spTree>
+  </p:cSld>
+  <p:clrMapOvr>
+    <a:masterClrMapping/>
+  </p:clrMapOvr>
+</p:sld>
+</file>
+
+<file path=ppt/slides/slide8.xml><?xml version="1.0" encoding="utf-8"?>
+<p:sld xmlns:a="http://schemas.openxmlformats.org/drawingml/2006/main" xmlns:r="http://schemas.openxmlformats.org/officeDocument/2006/relationships" xmlns:p="http://schemas.openxmlformats.org/presentationml/2006/main">
+  <p:cSld>
+    <p:spTree>
+      <p:nvGrpSpPr>
+        <p:cNvPr id="1" name=""/>
+        <p:cNvGrpSpPr/>
+        <p:nvPr/>
+      </p:nvGrpSpPr>
+      <p:grpSpPr>
+        <a:xfrm>
+          <a:off x="0" y="0"/>
+          <a:ext cx="0" cy="0"/>
+          <a:chOff x="0" y="0"/>
+          <a:chExt cx="0" cy="0"/>
+        </a:xfrm>
+      </p:grpSpPr>
+      <p:pic>
+        <p:nvPicPr>
+          <p:cNvPr id="4" name="Content Placeholder 3" descr="ERdia.jpg"/>
+          <p:cNvPicPr>
+            <a:picLocks noGrp="1" noChangeAspect="1"/>
+          </p:cNvPicPr>
+          <p:nvPr>
+            <p:ph idx="1"/>
+          </p:nvPr>
+        </p:nvPicPr>
+        <p:blipFill>
+          <a:blip r:embed="rId3" cstate="print"/>
+          <a:stretch>
+            <a:fillRect/>
+          </a:stretch>
+        </p:blipFill>
+        <p:spPr>
+          <a:xfrm>
+            <a:off x="4200049" y="152400"/>
+            <a:ext cx="4562951" cy="6476048"/>
+          </a:xfrm>
+        </p:spPr>
+      </p:pic>
+      <p:sp>
+        <p:nvSpPr>
+          <p:cNvPr id="3" name="Title 2"/>
+          <p:cNvSpPr>
+            <a:spLocks noGrp="1"/>
+          </p:cNvSpPr>
+          <p:nvPr>
+            <p:ph type="title"/>
+          </p:nvPr>
+        </p:nvSpPr>
+        <p:spPr/>
+        <p:txBody>
+          <a:bodyPr/>
+          <a:lstStyle/>
+          <a:p>
+            <a:r>
+              <a:rPr lang="en-US" dirty="0" smtClean="0"/>
+              <a:t>ER Diagram</a:t>
+            </a:r>
+            <a:endParaRPr lang="en-US" dirty="0"/>
+          </a:p>
+        </p:txBody>
+      </p:sp>
+    </p:spTree>
+  </p:cSld>
+  <p:clrMapOvr>
+    <a:masterClrMapping/>
+  </p:clrMapOvr>
+</p:sld>
+</file>
+
 <file path=ppt/slides/slide9.xml><?xml version="1.0" encoding="utf-8"?>
 <p:sld xmlns:a="http://schemas.openxmlformats.org/drawingml/2006/main" xmlns:r="http://schemas.openxmlformats.org/officeDocument/2006/relationships" xmlns:p="http://schemas.openxmlformats.org/presentationml/2006/main">
   <p:cSld>
@@ -6400,27 +6510,41 @@
       </p:grpSpPr>
       <p:sp>
         <p:nvSpPr>
-          <p:cNvPr id="3" name="Title 2"/>
-          <p:cNvSpPr>
-            <a:spLocks noGrp="1"/>
-          </p:cNvSpPr>
-          <p:nvPr>
-            <p:ph type="title"/>
-          </p:nvPr>
-        </p:nvSpPr>
-        <p:spPr>
-          <a:xfrm>
-            <a:off x="2590800" y="2438400"/>
-            <a:ext cx="8229600" cy="1143000"/>
-          </a:xfrm>
-        </p:spPr>
+          <p:cNvPr id="2" name="Content Placeholder 1"/>
+          <p:cNvSpPr>
+            <a:spLocks noGrp="1"/>
+          </p:cNvSpPr>
+          <p:nvPr>
+            <p:ph idx="1"/>
+          </p:nvPr>
+        </p:nvSpPr>
+        <p:spPr/>
         <p:txBody>
           <a:bodyPr/>
           <a:lstStyle/>
           <a:p>
+            <a:endParaRPr lang="en-US"/>
+          </a:p>
+        </p:txBody>
+      </p:sp>
+      <p:sp>
+        <p:nvSpPr>
+          <p:cNvPr id="3" name="Title 2"/>
+          <p:cNvSpPr>
+            <a:spLocks noGrp="1"/>
+          </p:cNvSpPr>
+          <p:nvPr>
+            <p:ph type="title"/>
+          </p:nvPr>
+        </p:nvSpPr>
+        <p:spPr/>
+        <p:txBody>
+          <a:bodyPr/>
+          <a:lstStyle/>
+          <a:p>
             <a:r>
               <a:rPr lang="en-US" dirty="0" smtClean="0"/>
-              <a:t>Questions?</a:t>
+              <a:t>Interfaces</a:t>
             </a:r>
             <a:endParaRPr lang="en-US" dirty="0"/>
           </a:p>
